--- a/Pandas-Python.pptx
+++ b/Pandas-Python.pptx
@@ -10488,7 +10488,7 @@
               <a:t>DataFrames</a:t>
             </a:r>
             <a:r>
-              <a:rPr lang="en-US" b="1"/>
+              <a:rPr lang="en-US" b="1" dirty="0"/>
               <a:t> using pandas </a:t>
             </a:r>
           </a:p>

--- a/Pandas-Python.pptx
+++ b/Pandas-Python.pptx
@@ -8735,19 +8735,7 @@
             </a:br>
             <a:r>
               <a:rPr lang="en-US" sz="3280" b="1" dirty="0" smtClean="0"/>
-              <a:t>PANDAS</a:t>
-            </a:r>
-            <a:r>
-              <a:rPr lang="en-US" sz="3280" b="1" dirty="0" smtClean="0"/>
-              <a:t> [</a:t>
-            </a:r>
-            <a:r>
-              <a:rPr lang="en-US" sz="3280" b="1" dirty="0" smtClean="0"/>
-              <a:t>DATASET MANIPULATION</a:t>
-            </a:r>
-            <a:r>
-              <a:rPr lang="en-US" sz="3280" b="1" dirty="0" smtClean="0"/>
-              <a:t>] </a:t>
+              <a:t>PANDAS [DATASET MANIPULATION] </a:t>
             </a:r>
             <a:endParaRPr sz="3280" b="1" dirty="0"/>
           </a:p>
@@ -9825,14 +9813,6 @@
               </a:rPr>
               <a:t>= {</a:t>
             </a:r>
-            <a:r>
-              <a:rPr lang="en-US" sz="1000" b="1" dirty="0">
-                <a:solidFill>
-                  <a:schemeClr val="tx1"/>
-                </a:solidFill>
-              </a:rPr>
-              <a:t/>
-            </a:r>
             <a:br>
               <a:rPr lang="en-US" sz="1000" b="1" dirty="0">
                 <a:solidFill>
@@ -9848,14 +9828,6 @@
               </a:rPr>
               <a:t>  "Duration":{</a:t>
             </a:r>
-            <a:r>
-              <a:rPr lang="en-US" sz="1000" b="1" dirty="0">
-                <a:solidFill>
-                  <a:schemeClr val="tx1"/>
-                </a:solidFill>
-              </a:rPr>
-              <a:t/>
-            </a:r>
             <a:br>
               <a:rPr lang="en-US" sz="1000" b="1" dirty="0">
                 <a:solidFill>
@@ -9871,14 +9843,6 @@
               </a:rPr>
               <a:t>    "0":60,</a:t>
             </a:r>
-            <a:r>
-              <a:rPr lang="en-US" sz="1000" b="1" dirty="0">
-                <a:solidFill>
-                  <a:schemeClr val="tx1"/>
-                </a:solidFill>
-              </a:rPr>
-              <a:t/>
-            </a:r>
             <a:br>
               <a:rPr lang="en-US" sz="1000" b="1" dirty="0">
                 <a:solidFill>
@@ -9956,14 +9920,6 @@
               </a:rPr>
               <a:t>  "Pulse":{</a:t>
             </a:r>
-            <a:r>
-              <a:rPr lang="en-US" sz="1000" b="1" dirty="0">
-                <a:solidFill>
-                  <a:schemeClr val="tx1"/>
-                </a:solidFill>
-              </a:rPr>
-              <a:t/>
-            </a:r>
             <a:br>
               <a:rPr lang="en-US" sz="1000" b="1" dirty="0">
                 <a:solidFill>
@@ -9979,14 +9935,6 @@
               </a:rPr>
               <a:t>    "0":110,</a:t>
             </a:r>
-            <a:r>
-              <a:rPr lang="en-US" sz="1000" b="1" dirty="0">
-                <a:solidFill>
-                  <a:schemeClr val="tx1"/>
-                </a:solidFill>
-              </a:rPr>
-              <a:t/>
-            </a:r>
             <a:br>
               <a:rPr lang="en-US" sz="1000" b="1" dirty="0">
                 <a:solidFill>
@@ -10080,14 +10028,6 @@
               </a:rPr>
               <a:t>":{</a:t>
             </a:r>
-            <a:r>
-              <a:rPr lang="en-US" sz="1000" b="1" dirty="0">
-                <a:solidFill>
-                  <a:schemeClr val="tx1"/>
-                </a:solidFill>
-              </a:rPr>
-              <a:t/>
-            </a:r>
             <a:br>
               <a:rPr lang="en-US" sz="1000" b="1" dirty="0">
                 <a:solidFill>
@@ -10103,14 +10043,6 @@
               </a:rPr>
               <a:t>    "0":130,</a:t>
             </a:r>
-            <a:r>
-              <a:rPr lang="en-US" sz="1000" b="1" dirty="0">
-                <a:solidFill>
-                  <a:schemeClr val="tx1"/>
-                </a:solidFill>
-              </a:rPr>
-              <a:t/>
-            </a:r>
             <a:br>
               <a:rPr lang="en-US" sz="1000" b="1" dirty="0">
                 <a:solidFill>
@@ -10175,14 +10107,6 @@
               </a:rPr>
               <a:t>  "Calories":{</a:t>
             </a:r>
-            <a:r>
-              <a:rPr lang="en-US" sz="1000" b="1" dirty="0">
-                <a:solidFill>
-                  <a:schemeClr val="tx1"/>
-                </a:solidFill>
-              </a:rPr>
-              <a:t/>
-            </a:r>
             <a:br>
               <a:rPr lang="en-US" sz="1000" b="1" dirty="0">
                 <a:solidFill>
@@ -10198,14 +10122,6 @@
               </a:rPr>
               <a:t>    "0":409,</a:t>
             </a:r>
-            <a:r>
-              <a:rPr lang="en-US" sz="1000" b="1" dirty="0">
-                <a:solidFill>
-                  <a:schemeClr val="tx1"/>
-                </a:solidFill>
-              </a:rPr>
-              <a:t/>
-            </a:r>
             <a:br>
               <a:rPr lang="en-US" sz="1000" b="1" dirty="0">
                 <a:solidFill>
@@ -10237,14 +10153,6 @@
               </a:rPr>
               <a:t>   </a:t>
             </a:r>
-            <a:r>
-              <a:rPr lang="en-US" sz="1000" b="1" dirty="0">
-                <a:solidFill>
-                  <a:schemeClr val="tx1"/>
-                </a:solidFill>
-              </a:rPr>
-              <a:t/>
-            </a:r>
             <a:br>
               <a:rPr lang="en-US" sz="1000" b="1" dirty="0">
                 <a:solidFill>
@@ -10260,14 +10168,6 @@
               </a:rPr>
               <a:t>  }</a:t>
             </a:r>
-            <a:r>
-              <a:rPr lang="en-US" sz="1000" b="1" dirty="0">
-                <a:solidFill>
-                  <a:schemeClr val="tx1"/>
-                </a:solidFill>
-              </a:rPr>
-              <a:t/>
-            </a:r>
             <a:br>
               <a:rPr lang="en-US" sz="1000" b="1" dirty="0">
                 <a:solidFill>
@@ -10283,14 +10183,6 @@
               </a:rPr>
               <a:t>}</a:t>
             </a:r>
-            <a:r>
-              <a:rPr lang="en-US" sz="1000" b="1" dirty="0">
-                <a:solidFill>
-                  <a:schemeClr val="tx1"/>
-                </a:solidFill>
-              </a:rPr>
-              <a:t/>
-            </a:r>
             <a:br>
               <a:rPr lang="en-US" sz="1000" b="1" dirty="0">
                 <a:solidFill>
@@ -10344,14 +10236,6 @@
                 </a:solidFill>
               </a:rPr>
               <a:t>(data)</a:t>
-            </a:r>
-            <a:r>
-              <a:rPr lang="en-US" sz="1000" b="1" dirty="0">
-                <a:solidFill>
-                  <a:schemeClr val="tx1"/>
-                </a:solidFill>
-              </a:rPr>
-              <a:t/>
             </a:r>
             <a:br>
               <a:rPr lang="en-US" sz="1000" b="1" dirty="0">
@@ -10559,19 +10443,7 @@
             <a:pPr algn="ctr"/>
             <a:r>
               <a:rPr lang="en-US" sz="2400" b="1" dirty="0" smtClean="0"/>
-              <a:t>PANDAS</a:t>
-            </a:r>
-            <a:r>
-              <a:rPr lang="en-US" sz="2400" b="1" dirty="0" smtClean="0"/>
-              <a:t> [</a:t>
-            </a:r>
-            <a:r>
-              <a:rPr lang="en-US" sz="2400" b="1" dirty="0" smtClean="0"/>
-              <a:t>DATASET MANIPULATION</a:t>
-            </a:r>
-            <a:r>
-              <a:rPr lang="en-US" sz="2400" b="1" dirty="0" smtClean="0"/>
-              <a:t>]</a:t>
+              <a:t>PANDAS [DATASET MANIPULATION]</a:t>
             </a:r>
             <a:endParaRPr lang="en-US" sz="2400" b="1" dirty="0"/>
           </a:p>
@@ -10902,19 +10774,7 @@
             <a:pPr algn="ctr"/>
             <a:r>
               <a:rPr lang="en-US" sz="2400" b="1" dirty="0" smtClean="0"/>
-              <a:t>PANDAS</a:t>
-            </a:r>
-            <a:r>
-              <a:rPr lang="en-US" sz="2400" b="1" dirty="0" smtClean="0"/>
-              <a:t> [</a:t>
-            </a:r>
-            <a:r>
-              <a:rPr lang="en-US" sz="2400" b="1" dirty="0" smtClean="0"/>
-              <a:t>DATASET MANIPULATION</a:t>
-            </a:r>
-            <a:r>
-              <a:rPr lang="en-US" sz="2400" b="1" dirty="0" smtClean="0"/>
-              <a:t>]</a:t>
+              <a:t>PANDAS [DATASET MANIPULATION]</a:t>
             </a:r>
             <a:endParaRPr lang="en-US" sz="2400" b="1" dirty="0"/>
           </a:p>
@@ -10943,11 +10803,7 @@
           <a:p>
             <a:r>
               <a:rPr lang="en-US" dirty="0" smtClean="0"/>
-              <a:t>Pandas</a:t>
-            </a:r>
-            <a:r>
-              <a:rPr lang="en-US" dirty="0" smtClean="0"/>
-              <a:t> </a:t>
+              <a:t>Pandas </a:t>
             </a:r>
             <a:r>
               <a:rPr lang="en-US" dirty="0"/>
@@ -11007,11 +10863,7 @@
             </a:r>
             <a:r>
               <a:rPr lang="en-US" dirty="0" smtClean="0"/>
-              <a:t>Pandas</a:t>
-            </a:r>
-            <a:r>
-              <a:rPr lang="en-US" dirty="0" smtClean="0"/>
-              <a:t> </a:t>
+              <a:t>Pandas </a:t>
             </a:r>
             <a:r>
               <a:rPr lang="en-US" dirty="0"/>
@@ -11044,11 +10896,6 @@
               </a:rPr>
               <a:t>pandas</a:t>
             </a:r>
-            <a:endParaRPr lang="en-US" b="1" dirty="0" smtClean="0">
-              <a:solidFill>
-                <a:schemeClr val="tx1"/>
-              </a:solidFill>
-            </a:endParaRPr>
           </a:p>
           <a:p>
             <a:endParaRPr lang="en-US" b="1" dirty="0">
@@ -11153,14 +11000,6 @@
               </a:rPr>
               <a:t> = {</a:t>
             </a:r>
-            <a:r>
-              <a:rPr lang="en-US" b="1" dirty="0">
-                <a:solidFill>
-                  <a:schemeClr val="tx1"/>
-                </a:solidFill>
-              </a:rPr>
-              <a:t/>
-            </a:r>
             <a:br>
               <a:rPr lang="en-US" b="1" dirty="0">
                 <a:solidFill>
@@ -11176,14 +11015,6 @@
               </a:rPr>
               <a:t>  'cars': ["BMW", "Volvo", "Ford"],</a:t>
             </a:r>
-            <a:r>
-              <a:rPr lang="en-US" b="1" dirty="0">
-                <a:solidFill>
-                  <a:schemeClr val="tx1"/>
-                </a:solidFill>
-              </a:rPr>
-              <a:t/>
-            </a:r>
             <a:br>
               <a:rPr lang="en-US" b="1" dirty="0">
                 <a:solidFill>
@@ -11215,14 +11046,6 @@
               </a:rPr>
               <a:t>': [3, 7, 2]</a:t>
             </a:r>
-            <a:r>
-              <a:rPr lang="en-US" b="1" dirty="0">
-                <a:solidFill>
-                  <a:schemeClr val="tx1"/>
-                </a:solidFill>
-              </a:rPr>
-              <a:t/>
-            </a:r>
             <a:br>
               <a:rPr lang="en-US" b="1" dirty="0">
                 <a:solidFill>
@@ -11238,14 +11061,6 @@
               </a:rPr>
               <a:t>}</a:t>
             </a:r>
-            <a:r>
-              <a:rPr lang="en-US" b="1" dirty="0">
-                <a:solidFill>
-                  <a:schemeClr val="tx1"/>
-                </a:solidFill>
-              </a:rPr>
-              <a:t/>
-            </a:r>
             <a:br>
               <a:rPr lang="en-US" b="1" dirty="0">
                 <a:solidFill>
@@ -11309,14 +11124,6 @@
               </a:rPr>
               <a:t>)</a:t>
             </a:r>
-            <a:r>
-              <a:rPr lang="en-US" b="1" dirty="0">
-                <a:solidFill>
-                  <a:schemeClr val="tx1"/>
-                </a:solidFill>
-              </a:rPr>
-              <a:t/>
-            </a:r>
             <a:br>
               <a:rPr lang="en-US" b="1" dirty="0">
                 <a:solidFill>
@@ -11348,11 +11155,6 @@
               </a:rPr>
               <a:t>)</a:t>
             </a:r>
-            <a:endParaRPr lang="en-US" b="1" dirty="0">
-              <a:solidFill>
-                <a:schemeClr val="tx1"/>
-              </a:solidFill>
-            </a:endParaRPr>
           </a:p>
         </p:txBody>
       </p:sp>
@@ -11537,14 +11339,6 @@
               </a:rPr>
               <a:t>= [1, 7, 2]</a:t>
             </a:r>
-            <a:r>
-              <a:rPr lang="en-US" b="1" dirty="0">
-                <a:solidFill>
-                  <a:schemeClr val="tx1"/>
-                </a:solidFill>
-              </a:rPr>
-              <a:t/>
-            </a:r>
             <a:br>
               <a:rPr lang="en-US" b="1" dirty="0">
                 <a:solidFill>
@@ -11591,14 +11385,6 @@
                 </a:solidFill>
               </a:rPr>
               <a:t>(a)</a:t>
-            </a:r>
-            <a:r>
-              <a:rPr lang="en-US" b="1" dirty="0">
-                <a:solidFill>
-                  <a:schemeClr val="tx1"/>
-                </a:solidFill>
-              </a:rPr>
-              <a:t/>
             </a:r>
             <a:br>
               <a:rPr lang="en-US" b="1" dirty="0">
@@ -11769,14 +11555,6 @@
               </a:rPr>
               <a:t>= [1, 7, 2]</a:t>
             </a:r>
-            <a:r>
-              <a:rPr lang="en-US" b="1" dirty="0">
-                <a:solidFill>
-                  <a:schemeClr val="tx1"/>
-                </a:solidFill>
-              </a:rPr>
-              <a:t/>
-            </a:r>
             <a:br>
               <a:rPr lang="en-US" b="1" dirty="0">
                 <a:solidFill>
@@ -11823,14 +11601,6 @@
                 </a:solidFill>
               </a:rPr>
               <a:t>(a, index = ["x", "y", "z"])</a:t>
-            </a:r>
-            <a:r>
-              <a:rPr lang="en-US" b="1" dirty="0">
-                <a:solidFill>
-                  <a:schemeClr val="tx1"/>
-                </a:solidFill>
-              </a:rPr>
-              <a:t/>
             </a:r>
             <a:br>
               <a:rPr lang="en-US" b="1" dirty="0">
@@ -12187,14 +11957,6 @@
               </a:rPr>
               <a:t>= {"day1": 420, "day2": 380, "day3": 390}</a:t>
             </a:r>
-            <a:r>
-              <a:rPr lang="en-US" b="1" dirty="0">
-                <a:solidFill>
-                  <a:schemeClr val="tx1"/>
-                </a:solidFill>
-              </a:rPr>
-              <a:t/>
-            </a:r>
             <a:br>
               <a:rPr lang="en-US" b="1" dirty="0">
                 <a:solidFill>
@@ -12241,14 +12003,6 @@
                 </a:solidFill>
               </a:rPr>
               <a:t>(calories, index = ["day1", "day2"])</a:t>
-            </a:r>
-            <a:r>
-              <a:rPr lang="en-US" b="1" dirty="0">
-                <a:solidFill>
-                  <a:schemeClr val="tx1"/>
-                </a:solidFill>
-              </a:rPr>
-              <a:t/>
             </a:r>
             <a:br>
               <a:rPr lang="en-US" b="1" dirty="0">
@@ -13866,7 +13620,7 @@
         <p:spPr>
           <a:xfrm>
             <a:off x="321056" y="638128"/>
-            <a:ext cx="8089641" cy="3754874"/>
+            <a:ext cx="8089641" cy="3970318"/>
           </a:xfrm>
           <a:prstGeom prst="rect">
             <a:avLst/>
@@ -13904,7 +13658,25 @@
                 </a:solidFill>
                 <a:latin typeface="Studio-Feixen-Sans"/>
               </a:rPr>
-              <a:t>Reading text files is similar to CSV files. The only nuance is that you need to specify a separator with the </a:t>
+              <a:t>Reading text files is similar to CSV files. The </a:t>
+            </a:r>
+            <a:r>
+              <a:rPr lang="en-US" altLang="en-US" dirty="0" smtClean="0">
+                <a:solidFill>
+                  <a:srgbClr val="05192D"/>
+                </a:solidFill>
+                <a:latin typeface="Studio-Feixen-Sans"/>
+              </a:rPr>
+              <a:t>only difference </a:t>
+            </a:r>
+            <a:r>
+              <a:rPr lang="en-US" altLang="en-US" dirty="0">
+                <a:solidFill>
+                  <a:srgbClr val="05192D"/>
+                </a:solidFill>
+                <a:latin typeface="Studio-Feixen-Sans"/>
+              </a:rPr>
+              <a:t>is that you need to specify a separator with the </a:t>
             </a:r>
             <a:r>
               <a:rPr lang="en-US" altLang="en-US" dirty="0" err="1">
